--- a/Week 2/Classes/Clases3-4.pptx
+++ b/Week 2/Classes/Clases3-4.pptx
@@ -3604,7 +3604,7 @@
             </a:pPr>
             <a:r>
               <a:rPr lang="en-US" dirty="0"/>
-              <a:t>Goal: Create your very own python script and replicate the tokenizer and </a:t>
+              <a:t>Goal: 1) Create your very own python script. 2) Replicate the tokenizer and </a:t>
             </a:r>
             <a:r>
               <a:rPr lang="en-US" dirty="0" err="1"/>
@@ -3750,15 +3750,7 @@
           <a:p>
             <a:r>
               <a:rPr lang="es-CO" dirty="0"/>
-              <a:t>Es un </a:t>
-            </a:r>
-            <a:r>
-              <a:rPr lang="es-CO" dirty="0" err="1"/>
-              <a:t>languaje</a:t>
-            </a:r>
-            <a:r>
-              <a:rPr lang="es-CO" dirty="0"/>
-              <a:t> de programación (</a:t>
+              <a:t>Es un lenguaje de programación (</a:t>
             </a:r>
             <a:r>
               <a:rPr lang="en-US" dirty="0"/>
@@ -3921,18 +3913,9 @@
               <a:t>; Mac: </a:t>
             </a:r>
             <a:r>
-              <a:rPr lang="es-CO" b="1" dirty="0" err="1"/>
-              <a:t>Xcode</a:t>
-            </a:r>
-            <a:r>
               <a:rPr lang="es-CO" b="1" dirty="0"/>
-              <a:t>/</a:t>
-            </a:r>
-            <a:r>
-              <a:rPr lang="es-CO" b="1" dirty="0" err="1"/>
-              <a:t>atom</a:t>
-            </a:r>
-            <a:endParaRPr lang="es-CO" b="1" dirty="0"/>
+              <a:t>Xcode/atom.io</a:t>
+            </a:r>
           </a:p>
           <a:p>
             <a:pPr marL="0" indent="0">
@@ -3949,7 +3932,7 @@
             </a:pPr>
             <a:r>
               <a:rPr lang="es-CO" dirty="0"/>
-              <a:t>3. Escribe el código el código en el editor y guarda</a:t>
+              <a:t>3. Escribe el código en el editor y guarda</a:t>
             </a:r>
           </a:p>
           <a:p>
@@ -3979,7 +3962,7 @@
             </a:r>
             <a:r>
               <a:rPr lang="es-CO" b="1" dirty="0"/>
-              <a:t> script.py </a:t>
+              <a:t> tuscript.py </a:t>
             </a:r>
             <a:endParaRPr lang="en-US" b="1" dirty="0"/>
           </a:p>

--- a/Week 2/Classes/Clases3-4.pptx
+++ b/Week 2/Classes/Clases3-4.pptx
@@ -3382,8 +3382,16 @@
         </p:nvSpPr>
         <p:spPr/>
         <p:txBody>
-          <a:bodyPr/>
-          <a:lstStyle/>
+          <a:bodyPr>
+            <a:normAutofit/>
+          </a:bodyPr>
+          <a:lstStyle/>
+          <a:p>
+            <a:r>
+              <a:rPr lang="en-US" dirty="0"/>
+              <a:t>Other utilities</a:t>
+            </a:r>
+          </a:p>
           <a:p>
             <a:r>
               <a:rPr lang="en-US" dirty="0"/>
@@ -3394,12 +3402,6 @@
             <a:r>
               <a:rPr lang="en-US" dirty="0"/>
               <a:t>Sentence segmentation</a:t>
-            </a:r>
-          </a:p>
-          <a:p>
-            <a:r>
-              <a:rPr lang="en-US" dirty="0"/>
-              <a:t>Other utilities</a:t>
             </a:r>
           </a:p>
         </p:txBody>
@@ -3604,7 +3606,7 @@
             </a:pPr>
             <a:r>
               <a:rPr lang="en-US" dirty="0"/>
-              <a:t>Goal: 1) Create your very own python script. 2) Replicate the tokenizer and </a:t>
+              <a:t>Goals: 1) Create your very own python script. 2) Replicate the tokenizer and </a:t>
             </a:r>
             <a:r>
               <a:rPr lang="en-US" dirty="0" err="1"/>

--- a/Week 2/Classes/Clases3-4.pptx
+++ b/Week 2/Classes/Clases3-4.pptx
@@ -269,7 +269,7 @@
           <a:p>
             <a:fld id="{11AA1E2B-6B21-4853-9320-58EEC67DCA5C}" type="datetimeFigureOut">
               <a:rPr lang="en-US" smtClean="0"/>
-              <a:t>7/8/2021</a:t>
+              <a:t>7/9/2021</a:t>
             </a:fld>
             <a:endParaRPr lang="en-US"/>
           </a:p>
@@ -467,7 +467,7 @@
           <a:p>
             <a:fld id="{11AA1E2B-6B21-4853-9320-58EEC67DCA5C}" type="datetimeFigureOut">
               <a:rPr lang="en-US" smtClean="0"/>
-              <a:t>7/8/2021</a:t>
+              <a:t>7/9/2021</a:t>
             </a:fld>
             <a:endParaRPr lang="en-US"/>
           </a:p>
@@ -675,7 +675,7 @@
           <a:p>
             <a:fld id="{11AA1E2B-6B21-4853-9320-58EEC67DCA5C}" type="datetimeFigureOut">
               <a:rPr lang="en-US" smtClean="0"/>
-              <a:t>7/8/2021</a:t>
+              <a:t>7/9/2021</a:t>
             </a:fld>
             <a:endParaRPr lang="en-US"/>
           </a:p>
@@ -873,7 +873,7 @@
           <a:p>
             <a:fld id="{11AA1E2B-6B21-4853-9320-58EEC67DCA5C}" type="datetimeFigureOut">
               <a:rPr lang="en-US" smtClean="0"/>
-              <a:t>7/8/2021</a:t>
+              <a:t>7/9/2021</a:t>
             </a:fld>
             <a:endParaRPr lang="en-US"/>
           </a:p>
@@ -1148,7 +1148,7 @@
           <a:p>
             <a:fld id="{11AA1E2B-6B21-4853-9320-58EEC67DCA5C}" type="datetimeFigureOut">
               <a:rPr lang="en-US" smtClean="0"/>
-              <a:t>7/8/2021</a:t>
+              <a:t>7/9/2021</a:t>
             </a:fld>
             <a:endParaRPr lang="en-US"/>
           </a:p>
@@ -1413,7 +1413,7 @@
           <a:p>
             <a:fld id="{11AA1E2B-6B21-4853-9320-58EEC67DCA5C}" type="datetimeFigureOut">
               <a:rPr lang="en-US" smtClean="0"/>
-              <a:t>7/8/2021</a:t>
+              <a:t>7/9/2021</a:t>
             </a:fld>
             <a:endParaRPr lang="en-US"/>
           </a:p>
@@ -1825,7 +1825,7 @@
           <a:p>
             <a:fld id="{11AA1E2B-6B21-4853-9320-58EEC67DCA5C}" type="datetimeFigureOut">
               <a:rPr lang="en-US" smtClean="0"/>
-              <a:t>7/8/2021</a:t>
+              <a:t>7/9/2021</a:t>
             </a:fld>
             <a:endParaRPr lang="en-US"/>
           </a:p>
@@ -1966,7 +1966,7 @@
           <a:p>
             <a:fld id="{11AA1E2B-6B21-4853-9320-58EEC67DCA5C}" type="datetimeFigureOut">
               <a:rPr lang="en-US" smtClean="0"/>
-              <a:t>7/8/2021</a:t>
+              <a:t>7/9/2021</a:t>
             </a:fld>
             <a:endParaRPr lang="en-US"/>
           </a:p>
@@ -2079,7 +2079,7 @@
           <a:p>
             <a:fld id="{11AA1E2B-6B21-4853-9320-58EEC67DCA5C}" type="datetimeFigureOut">
               <a:rPr lang="en-US" smtClean="0"/>
-              <a:t>7/8/2021</a:t>
+              <a:t>7/9/2021</a:t>
             </a:fld>
             <a:endParaRPr lang="en-US"/>
           </a:p>
@@ -2390,7 +2390,7 @@
           <a:p>
             <a:fld id="{11AA1E2B-6B21-4853-9320-58EEC67DCA5C}" type="datetimeFigureOut">
               <a:rPr lang="en-US" smtClean="0"/>
-              <a:t>7/8/2021</a:t>
+              <a:t>7/9/2021</a:t>
             </a:fld>
             <a:endParaRPr lang="en-US"/>
           </a:p>
@@ -2678,7 +2678,7 @@
           <a:p>
             <a:fld id="{11AA1E2B-6B21-4853-9320-58EEC67DCA5C}" type="datetimeFigureOut">
               <a:rPr lang="en-US" smtClean="0"/>
-              <a:t>7/8/2021</a:t>
+              <a:t>7/9/2021</a:t>
             </a:fld>
             <a:endParaRPr lang="en-US"/>
           </a:p>
@@ -2919,7 +2919,7 @@
           <a:p>
             <a:fld id="{11AA1E2B-6B21-4853-9320-58EEC67DCA5C}" type="datetimeFigureOut">
               <a:rPr lang="en-US" smtClean="0"/>
-              <a:t>7/8/2021</a:t>
+              <a:t>7/9/2021</a:t>
             </a:fld>
             <a:endParaRPr lang="en-US"/>
           </a:p>
@@ -3568,15 +3568,32 @@
             <p:ph type="title"/>
           </p:nvPr>
         </p:nvSpPr>
-        <p:spPr/>
-        <p:txBody>
-          <a:bodyPr/>
-          <a:lstStyle/>
-          <a:p>
-            <a:r>
-              <a:rPr lang="en-US" dirty="0"/>
-              <a:t>Lab assignment 2</a:t>
-            </a:r>
+        <p:spPr>
+          <a:xfrm>
+            <a:off x="838200" y="597600"/>
+            <a:ext cx="10515600" cy="1325563"/>
+          </a:xfrm>
+        </p:spPr>
+        <p:txBody>
+          <a:bodyPr>
+            <a:normAutofit fontScale="90000"/>
+          </a:bodyPr>
+          <a:lstStyle/>
+          <a:p>
+            <a:r>
+              <a:rPr lang="en-US" dirty="0"/>
+              <a:t>Lab assignment 2: </a:t>
+            </a:r>
+            <a:r>
+              <a:rPr lang="en-US" dirty="0">
+                <a:hlinkClick r:id="rId2"/>
+              </a:rPr>
+              <a:t>https://github.com/falconrr/NLP4SPanish/blob/main/Week%202/LabAssignment2/Lab2.md</a:t>
+            </a:r>
+            <a:br>
+              <a:rPr lang="en-US" dirty="0"/>
+            </a:br>
+            <a:endParaRPr lang="en-US" dirty="0"/>
           </a:p>
         </p:txBody>
       </p:sp>
@@ -3596,7 +3613,12 @@
             <p:ph idx="1"/>
           </p:nvPr>
         </p:nvSpPr>
-        <p:spPr/>
+        <p:spPr>
+          <a:xfrm>
+            <a:off x="760709" y="2141537"/>
+            <a:ext cx="10515600" cy="4351338"/>
+          </a:xfrm>
+        </p:spPr>
         <p:txBody>
           <a:bodyPr/>
           <a:lstStyle/>
